--- a/_SLIDES/2020_DEEL1/H5- Beslissingen/H5_operators en if.pptx
+++ b/_SLIDES/2020_DEEL1/H5- Beslissingen/H5_operators en if.pptx
@@ -5,7 +5,7 @@
     <p:sldMasterId id="2147483660" r:id="rId1"/>
   </p:sldMasterIdLst>
   <p:notesMasterIdLst>
-    <p:notesMasterId r:id="rId43"/>
+    <p:notesMasterId r:id="rId44"/>
   </p:notesMasterIdLst>
   <p:sldIdLst>
     <p:sldId id="256" r:id="rId2"/>
@@ -49,41 +49,42 @@
     <p:sldId id="319" r:id="rId40"/>
     <p:sldId id="294" r:id="rId41"/>
     <p:sldId id="295" r:id="rId42"/>
+    <p:sldId id="330" r:id="rId43"/>
   </p:sldIdLst>
   <p:sldSz cx="12192000" cy="6858000"/>
   <p:notesSz cx="6858000" cy="9144000"/>
   <p:embeddedFontLst>
     <p:embeddedFont>
-      <p:font typeface="Archivo Narrow" panose="020B0506020202020B04" pitchFamily="34" charset="0"/>
-      <p:regular r:id="rId44"/>
-      <p:bold r:id="rId45"/>
-      <p:italic r:id="rId46"/>
+      <p:font typeface="Archivo Narrow" panose="020B0604020202020204" charset="0"/>
+      <p:regular r:id="rId45"/>
+      <p:bold r:id="rId46"/>
+      <p:italic r:id="rId47"/>
     </p:embeddedFont>
     <p:embeddedFont>
-      <p:font typeface="Blogger Sans" panose="02000506030000020004" pitchFamily="50" charset="0"/>
-      <p:regular r:id="rId47"/>
-      <p:bold r:id="rId48"/>
+      <p:font typeface="Blogger Sans" panose="02000506030000020004" charset="0"/>
+      <p:regular r:id="rId48"/>
+      <p:bold r:id="rId49"/>
     </p:embeddedFont>
     <p:embeddedFont>
       <p:font typeface="Calibri" panose="020F0502020204030204" pitchFamily="34" charset="0"/>
-      <p:regular r:id="rId49"/>
-      <p:bold r:id="rId50"/>
-      <p:italic r:id="rId51"/>
-      <p:boldItalic r:id="rId52"/>
+      <p:regular r:id="rId50"/>
+      <p:bold r:id="rId51"/>
+      <p:italic r:id="rId52"/>
+      <p:boldItalic r:id="rId53"/>
     </p:embeddedFont>
     <p:embeddedFont>
       <p:font typeface="Consolas" panose="020B0609020204030204" pitchFamily="49" charset="0"/>
-      <p:regular r:id="rId53"/>
-      <p:bold r:id="rId54"/>
-      <p:italic r:id="rId55"/>
-      <p:boldItalic r:id="rId56"/>
+      <p:regular r:id="rId54"/>
+      <p:bold r:id="rId55"/>
+      <p:italic r:id="rId56"/>
+      <p:boldItalic r:id="rId57"/>
     </p:embeddedFont>
     <p:embeddedFont>
       <p:font typeface="Times" panose="02020603050405020304" pitchFamily="18" charset="0"/>
-      <p:regular r:id="rId57"/>
-      <p:bold r:id="rId58"/>
-      <p:italic r:id="rId59"/>
-      <p:boldItalic r:id="rId60"/>
+      <p:regular r:id="rId58"/>
+      <p:bold r:id="rId59"/>
+      <p:italic r:id="rId60"/>
+      <p:boldItalic r:id="rId61"/>
     </p:embeddedFont>
   </p:embeddedFontLst>
   <p:defaultTextStyle>
@@ -3346,7 +3347,7 @@
           <a:p>
             <a:fld id="{AAB1E9D1-C262-4CF5-AED2-7DBFF7C74527}" type="datetimeFigureOut">
               <a:rPr lang="nl-BE" smtClean="0"/>
-              <a:t>30/09/2020</a:t>
+              <a:t>2/05/2023</a:t>
             </a:fld>
             <a:endParaRPr lang="nl-BE"/>
           </a:p>
@@ -6719,7 +6720,7 @@
           <a:p>
             <a:fld id="{412FCB01-D61C-459D-B253-BFAEE47CDD6C}" type="datetime1">
               <a:rPr lang="nl-BE" smtClean="0"/>
-              <a:t>30/09/2020</a:t>
+              <a:t>2/05/2023</a:t>
             </a:fld>
             <a:endParaRPr lang="nl-BE"/>
           </a:p>
@@ -6747,8 +6748,8 @@
           <a:lstStyle/>
           <a:p>
             <a:r>
-              <a:rPr lang="nl-BE"/>
-              <a:t>Zie Scherp</a:t>
+              <a:rPr lang="nl-BE" dirty="0"/>
+              <a:t>Zie Scherp Scherper</a:t>
             </a:r>
           </a:p>
         </p:txBody>
@@ -7015,7 +7016,7 @@
           <a:p>
             <a:fld id="{E50A3596-A2A1-452F-890E-77460D820DF3}" type="datetime1">
               <a:rPr lang="nl-BE" smtClean="0"/>
-              <a:t>30/09/2020</a:t>
+              <a:t>2/05/2023</a:t>
             </a:fld>
             <a:endParaRPr lang="nl-BE"/>
           </a:p>
@@ -7043,8 +7044,8 @@
           <a:lstStyle/>
           <a:p>
             <a:r>
-              <a:rPr lang="nl-BE"/>
-              <a:t>Zie Scherp</a:t>
+              <a:rPr lang="nl-BE" dirty="0"/>
+              <a:t>Zie Scherp Scherper</a:t>
             </a:r>
           </a:p>
         </p:txBody>
@@ -7228,7 +7229,7 @@
           <a:p>
             <a:fld id="{3E54D962-2629-4D8E-BAC2-59BDDC808C23}" type="datetime1">
               <a:rPr lang="nl-BE" smtClean="0"/>
-              <a:t>30/09/2020</a:t>
+              <a:t>2/05/2023</a:t>
             </a:fld>
             <a:endParaRPr lang="nl-BE"/>
           </a:p>
@@ -7256,8 +7257,8 @@
           <a:lstStyle/>
           <a:p>
             <a:r>
-              <a:rPr lang="nl-BE"/>
-              <a:t>Zie Scherp</a:t>
+              <a:rPr lang="nl-BE" dirty="0"/>
+              <a:t>Zie Scherp Scherper</a:t>
             </a:r>
           </a:p>
         </p:txBody>
@@ -7461,7 +7462,7 @@
           <a:p>
             <a:fld id="{76257895-E212-4567-9960-B5A8889D8CFB}" type="datetime1">
               <a:rPr lang="nl-BE" smtClean="0"/>
-              <a:t>30/09/2020</a:t>
+              <a:t>2/05/2023</a:t>
             </a:fld>
             <a:endParaRPr lang="nl-BE"/>
           </a:p>
@@ -7489,8 +7490,8 @@
           <a:lstStyle/>
           <a:p>
             <a:r>
-              <a:rPr lang="nl-BE"/>
-              <a:t>Zie Scherp</a:t>
+              <a:rPr lang="nl-BE" dirty="0"/>
+              <a:t>Zie Scherp Scherper</a:t>
             </a:r>
           </a:p>
         </p:txBody>
@@ -7740,7 +7741,7 @@
           <a:p>
             <a:fld id="{96309AB7-B1C6-47F6-931D-231CA6DF413F}" type="datetime1">
               <a:rPr lang="nl-BE" smtClean="0"/>
-              <a:t>30/09/2020</a:t>
+              <a:t>2/05/2023</a:t>
             </a:fld>
             <a:endParaRPr lang="nl-BE"/>
           </a:p>
@@ -7768,8 +7769,8 @@
           <a:lstStyle/>
           <a:p>
             <a:r>
-              <a:rPr lang="nl-BE"/>
-              <a:t>Zie Scherp</a:t>
+              <a:rPr lang="nl-BE" dirty="0"/>
+              <a:t>Zie Scherp Scherper</a:t>
             </a:r>
           </a:p>
         </p:txBody>
@@ -8011,7 +8012,7 @@
           <a:p>
             <a:fld id="{88FECF2A-2423-47E7-A0E7-81B98B410C6D}" type="datetime1">
               <a:rPr lang="nl-BE" smtClean="0"/>
-              <a:t>30/09/2020</a:t>
+              <a:t>2/05/2023</a:t>
             </a:fld>
             <a:endParaRPr lang="nl-BE"/>
           </a:p>
@@ -8039,8 +8040,8 @@
           <a:lstStyle/>
           <a:p>
             <a:r>
-              <a:rPr lang="nl-BE"/>
-              <a:t>Zie Scherp</a:t>
+              <a:rPr lang="nl-BE" dirty="0"/>
+              <a:t>Zie Scherp Scherper</a:t>
             </a:r>
           </a:p>
         </p:txBody>
@@ -8429,7 +8430,7 @@
           <a:p>
             <a:fld id="{88AC455C-26E9-4F14-A0A4-4B56C69E5ABE}" type="datetime1">
               <a:rPr lang="nl-BE" smtClean="0"/>
-              <a:t>30/09/2020</a:t>
+              <a:t>2/05/2023</a:t>
             </a:fld>
             <a:endParaRPr lang="nl-BE"/>
           </a:p>
@@ -8457,8 +8458,8 @@
           <a:lstStyle/>
           <a:p>
             <a:r>
-              <a:rPr lang="nl-BE"/>
-              <a:t>Zie Scherp</a:t>
+              <a:rPr lang="nl-BE" dirty="0"/>
+              <a:t>Zie Scherp Scherper</a:t>
             </a:r>
           </a:p>
         </p:txBody>
@@ -8574,7 +8575,7 @@
           <a:p>
             <a:fld id="{93A8BD94-D848-4FE7-9A53-7960DB632BD9}" type="datetime1">
               <a:rPr lang="nl-BE" smtClean="0"/>
-              <a:t>30/09/2020</a:t>
+              <a:t>2/05/2023</a:t>
             </a:fld>
             <a:endParaRPr lang="nl-BE"/>
           </a:p>
@@ -8602,8 +8603,8 @@
           <a:lstStyle/>
           <a:p>
             <a:r>
-              <a:rPr lang="nl-BE"/>
-              <a:t>Zie Scherp</a:t>
+              <a:rPr lang="nl-BE" dirty="0"/>
+              <a:t>Zie Scherp Scherper</a:t>
             </a:r>
           </a:p>
         </p:txBody>
@@ -8690,7 +8691,7 @@
           <a:p>
             <a:fld id="{EB5C9BAE-59B3-417C-A646-E1CF6F2EA8A8}" type="datetime1">
               <a:rPr lang="nl-BE" smtClean="0"/>
-              <a:t>30/09/2020</a:t>
+              <a:t>2/05/2023</a:t>
             </a:fld>
             <a:endParaRPr lang="nl-BE"/>
           </a:p>
@@ -8718,8 +8719,8 @@
           <a:lstStyle/>
           <a:p>
             <a:r>
-              <a:rPr lang="nl-BE"/>
-              <a:t>Zie Scherp</a:t>
+              <a:rPr lang="nl-BE" dirty="0"/>
+              <a:t>Zie Scherp Scherper</a:t>
             </a:r>
           </a:p>
         </p:txBody>
@@ -9006,7 +9007,7 @@
           <a:p>
             <a:fld id="{AD66C109-BADA-44A3-804A-343DE3FC7847}" type="datetime1">
               <a:rPr lang="nl-BE" smtClean="0"/>
-              <a:t>30/09/2020</a:t>
+              <a:t>2/05/2023</a:t>
             </a:fld>
             <a:endParaRPr lang="nl-BE"/>
           </a:p>
@@ -9034,8 +9035,8 @@
           <a:lstStyle/>
           <a:p>
             <a:r>
-              <a:rPr lang="nl-BE"/>
-              <a:t>Zie Scherp</a:t>
+              <a:rPr lang="nl-BE" dirty="0"/>
+              <a:t>Zie Scherp Scherper</a:t>
             </a:r>
           </a:p>
         </p:txBody>
@@ -9302,7 +9303,7 @@
           <a:p>
             <a:fld id="{3D8DD55F-9DBD-45E6-A29B-FCD4AFC92AFE}" type="datetime1">
               <a:rPr lang="nl-BE" smtClean="0"/>
-              <a:t>30/09/2020</a:t>
+              <a:t>2/05/2023</a:t>
             </a:fld>
             <a:endParaRPr lang="nl-BE"/>
           </a:p>
@@ -9330,8 +9331,8 @@
           <a:lstStyle/>
           <a:p>
             <a:r>
-              <a:rPr lang="nl-BE"/>
-              <a:t>Zie Scherp</a:t>
+              <a:rPr lang="nl-BE" dirty="0"/>
+              <a:t>Zie Scherp Scherper</a:t>
             </a:r>
           </a:p>
         </p:txBody>
@@ -9548,7 +9549,7 @@
           <a:p>
             <a:fld id="{5A03EE59-6A12-4FD1-955C-4A0F50547947}" type="datetime1">
               <a:rPr lang="nl-BE" smtClean="0"/>
-              <a:t>30/09/2020</a:t>
+              <a:t>2/05/2023</a:t>
             </a:fld>
             <a:endParaRPr lang="nl-BE"/>
           </a:p>
@@ -9594,8 +9595,8 @@
           </a:lstStyle>
           <a:p>
             <a:r>
-              <a:rPr lang="nl-BE"/>
-              <a:t>Zie Scherp</a:t>
+              <a:rPr lang="nl-BE" dirty="0"/>
+              <a:t>Zie Scherp Scherper</a:t>
             </a:r>
           </a:p>
         </p:txBody>
@@ -10325,8 +10326,8 @@
           <a:lstStyle/>
           <a:p>
             <a:r>
-              <a:rPr lang="nl-BE"/>
-              <a:t>Zie Scherp</a:t>
+              <a:rPr lang="nl-BE" dirty="0"/>
+              <a:t>Zie Scherp Scherper</a:t>
             </a:r>
           </a:p>
         </p:txBody>
@@ -10507,8 +10508,8 @@
           <a:lstStyle/>
           <a:p>
             <a:r>
-              <a:rPr lang="nl-BE"/>
-              <a:t>Zie Scherp</a:t>
+              <a:rPr lang="nl-BE" dirty="0"/>
+              <a:t>Zie Scherp Scherper</a:t>
             </a:r>
           </a:p>
         </p:txBody>
@@ -10730,8 +10731,8 @@
           <a:lstStyle/>
           <a:p>
             <a:r>
-              <a:rPr lang="nl-BE"/>
-              <a:t>Zie Scherp</a:t>
+              <a:rPr lang="nl-BE" dirty="0"/>
+              <a:t>Zie Scherp Scherper</a:t>
             </a:r>
           </a:p>
         </p:txBody>
@@ -10933,8 +10934,8 @@
           <a:lstStyle/>
           <a:p>
             <a:r>
-              <a:rPr lang="nl-BE"/>
-              <a:t>Zie Scherp</a:t>
+              <a:rPr lang="nl-BE" dirty="0"/>
+              <a:t>Zie Scherp Scherper</a:t>
             </a:r>
           </a:p>
         </p:txBody>
@@ -11232,8 +11233,8 @@
           <a:lstStyle/>
           <a:p>
             <a:r>
-              <a:rPr lang="nl-BE"/>
-              <a:t>Zie Scherp</a:t>
+              <a:rPr lang="nl-BE" dirty="0"/>
+              <a:t>Zie Scherp Scherper</a:t>
             </a:r>
           </a:p>
         </p:txBody>
@@ -11357,8 +11358,8 @@
           <a:lstStyle/>
           <a:p>
             <a:r>
-              <a:rPr lang="nl-BE"/>
-              <a:t>Zie Scherp</a:t>
+              <a:rPr lang="nl-BE" dirty="0"/>
+              <a:t>Zie Scherp Scherper</a:t>
             </a:r>
           </a:p>
         </p:txBody>
@@ -11477,7 +11478,7 @@
               <a:defRPr/>
             </a:pPr>
             <a:r>
-              <a:rPr kumimoji="0" lang="nl-BE" sz="1200" b="0" i="0" u="none" strike="noStrike" kern="1200" cap="none" spc="0" normalizeH="0" baseline="0" noProof="0">
+              <a:rPr kumimoji="0" lang="nl-BE" sz="1200" b="0" i="0" u="none" strike="noStrike" kern="1200" cap="none" spc="0" normalizeH="0" baseline="0" noProof="0" dirty="0">
                 <a:ln>
                   <a:noFill/>
                 </a:ln>
@@ -11493,7 +11494,7 @@
                 <a:ea typeface="+mn-ea"/>
                 <a:cs typeface="+mn-cs"/>
               </a:rPr>
-              <a:t>Zie Scherp</a:t>
+              <a:t>Zie Scherp Scherper</a:t>
             </a:r>
           </a:p>
         </p:txBody>
@@ -13342,7 +13343,7 @@
               <a:defRPr/>
             </a:pPr>
             <a:r>
-              <a:rPr kumimoji="0" lang="nl-BE" sz="1200" b="0" i="0" u="none" strike="noStrike" kern="1200" cap="none" spc="0" normalizeH="0" baseline="0" noProof="0">
+              <a:rPr kumimoji="0" lang="nl-BE" sz="1200" b="0" i="0" u="none" strike="noStrike" kern="1200" cap="none" spc="0" normalizeH="0" baseline="0" noProof="0" dirty="0">
                 <a:ln>
                   <a:noFill/>
                 </a:ln>
@@ -13358,7 +13359,7 @@
                 <a:ea typeface="+mn-ea"/>
                 <a:cs typeface="+mn-cs"/>
               </a:rPr>
-              <a:t>Zie Scherp</a:t>
+              <a:t>Zie Scherp Scherper</a:t>
             </a:r>
           </a:p>
         </p:txBody>
@@ -14864,8 +14865,8 @@
           <a:lstStyle/>
           <a:p>
             <a:r>
-              <a:rPr lang="nl-BE"/>
-              <a:t>Zie Scherp</a:t>
+              <a:rPr lang="nl-BE" dirty="0"/>
+              <a:t>Zie Scherp Scherper</a:t>
             </a:r>
           </a:p>
         </p:txBody>
@@ -15225,8 +15226,8 @@
           <a:lstStyle/>
           <a:p>
             <a:r>
-              <a:rPr lang="nl-BE"/>
-              <a:t>Zie Scherp</a:t>
+              <a:rPr lang="nl-BE" dirty="0"/>
+              <a:t>Zie Scherp Scherper</a:t>
             </a:r>
           </a:p>
         </p:txBody>
@@ -15704,8 +15705,8 @@
           <a:lstStyle/>
           <a:p>
             <a:r>
-              <a:rPr lang="nl-BE"/>
-              <a:t>Zie Scherp</a:t>
+              <a:rPr lang="nl-BE" dirty="0"/>
+              <a:t>Zie Scherp Scherper</a:t>
             </a:r>
           </a:p>
         </p:txBody>
@@ -16201,8 +16202,8 @@
           <a:lstStyle/>
           <a:p>
             <a:r>
-              <a:rPr lang="nl-BE"/>
-              <a:t>Zie Scherp</a:t>
+              <a:rPr lang="nl-BE" dirty="0"/>
+              <a:t>Zie Scherp Scherper</a:t>
             </a:r>
           </a:p>
         </p:txBody>
@@ -16382,8 +16383,8 @@
           <a:lstStyle/>
           <a:p>
             <a:r>
-              <a:rPr lang="nl-BE"/>
-              <a:t>Zie Scherp</a:t>
+              <a:rPr lang="nl-BE" dirty="0"/>
+              <a:t>Zie Scherp Scherper</a:t>
             </a:r>
           </a:p>
         </p:txBody>
@@ -16681,8 +16682,8 @@
           <a:lstStyle/>
           <a:p>
             <a:r>
-              <a:rPr lang="nl-BE"/>
-              <a:t>Zie Scherp</a:t>
+              <a:rPr lang="nl-BE" dirty="0"/>
+              <a:t>Zie Scherp Scherper</a:t>
             </a:r>
           </a:p>
         </p:txBody>
@@ -16938,8 +16939,8 @@
           <a:lstStyle/>
           <a:p>
             <a:r>
-              <a:rPr lang="nl-BE"/>
-              <a:t>Zie Scherp</a:t>
+              <a:rPr lang="nl-BE" dirty="0"/>
+              <a:t>Zie Scherp Scherper</a:t>
             </a:r>
           </a:p>
         </p:txBody>
@@ -17206,8 +17207,8 @@
           <a:lstStyle/>
           <a:p>
             <a:r>
-              <a:rPr lang="nl-BE"/>
-              <a:t>Zie Scherp</a:t>
+              <a:rPr lang="nl-BE" dirty="0"/>
+              <a:t>Zie Scherp Scherper</a:t>
             </a:r>
           </a:p>
         </p:txBody>
@@ -18515,8 +18516,8 @@
           <a:lstStyle/>
           <a:p>
             <a:r>
-              <a:rPr lang="nl-BE"/>
-              <a:t>Zie Scherp</a:t>
+              <a:rPr lang="nl-BE" dirty="0"/>
+              <a:t>Zie Scherp Scherper</a:t>
             </a:r>
           </a:p>
         </p:txBody>
@@ -18631,8 +18632,8 @@
           <a:lstStyle/>
           <a:p>
             <a:r>
-              <a:rPr lang="nl-BE"/>
-              <a:t>Zie Scherp</a:t>
+              <a:rPr lang="nl-BE" dirty="0"/>
+              <a:t>Zie Scherp Scherper</a:t>
             </a:r>
           </a:p>
         </p:txBody>
@@ -19969,8 +19970,8 @@
           <a:lstStyle/>
           <a:p>
             <a:r>
-              <a:rPr lang="nl-BE"/>
-              <a:t>Zie Scherp</a:t>
+              <a:rPr lang="nl-BE" dirty="0"/>
+              <a:t>Zie Scherp Scherper</a:t>
             </a:r>
           </a:p>
         </p:txBody>
@@ -20156,8 +20157,8 @@
           <a:lstStyle/>
           <a:p>
             <a:r>
-              <a:rPr lang="nl-BE"/>
-              <a:t>Zie Scherp</a:t>
+              <a:rPr lang="nl-BE" dirty="0"/>
+              <a:t>Zie Scherp Scherper</a:t>
             </a:r>
           </a:p>
         </p:txBody>
@@ -20381,8 +20382,8 @@
           <a:lstStyle/>
           <a:p>
             <a:r>
-              <a:rPr lang="nl-BE"/>
-              <a:t>Zie Scherp</a:t>
+              <a:rPr lang="nl-BE" dirty="0"/>
+              <a:t>Zie Scherp Scherper</a:t>
             </a:r>
           </a:p>
         </p:txBody>
@@ -20560,8 +20561,8 @@
           <a:lstStyle/>
           <a:p>
             <a:r>
-              <a:rPr lang="nl-BE"/>
-              <a:t>Zie Scherp</a:t>
+              <a:rPr lang="nl-BE" dirty="0"/>
+              <a:t>Zie Scherp Scherper</a:t>
             </a:r>
           </a:p>
         </p:txBody>
@@ -20735,8 +20736,8 @@
           <a:lstStyle/>
           <a:p>
             <a:r>
-              <a:rPr lang="nl-BE"/>
-              <a:t>Zie Scherp</a:t>
+              <a:rPr lang="nl-BE" dirty="0"/>
+              <a:t>Zie Scherp Scherper</a:t>
             </a:r>
           </a:p>
         </p:txBody>
@@ -20867,7 +20868,7 @@
               <a:defRPr/>
             </a:pPr>
             <a:r>
-              <a:rPr kumimoji="0" lang="nl-BE" sz="1200" b="0" i="0" u="none" strike="noStrike" kern="1200" cap="none" spc="0" normalizeH="0" baseline="0" noProof="0">
+              <a:rPr kumimoji="0" lang="nl-BE" sz="1200" b="0" i="0" u="none" strike="noStrike" kern="1200" cap="none" spc="0" normalizeH="0" baseline="0" noProof="0" dirty="0">
                 <a:ln>
                   <a:noFill/>
                 </a:ln>
@@ -20883,24 +20884,8 @@
                 <a:ea typeface="+mn-ea"/>
                 <a:cs typeface="+mn-cs"/>
               </a:rPr>
-              <a:t>Zie Scherp</a:t>
-            </a:r>
-            <a:endParaRPr kumimoji="0" lang="nl-BE" sz="1200" b="0" i="0" u="none" strike="noStrike" kern="1200" cap="none" spc="0" normalizeH="0" baseline="0" noProof="0" dirty="0">
-              <a:ln>
-                <a:noFill/>
-              </a:ln>
-              <a:solidFill>
-                <a:prstClr val="black">
-                  <a:tint val="75000"/>
-                </a:prstClr>
-              </a:solidFill>
-              <a:effectLst/>
-              <a:uLnTx/>
-              <a:uFillTx/>
-              <a:latin typeface="Calibri" panose="020F0502020204030204"/>
-              <a:ea typeface="+mn-ea"/>
-              <a:cs typeface="+mn-cs"/>
-            </a:endParaRPr>
+              <a:t>Zie Scherp Scherper</a:t>
+            </a:r>
           </a:p>
         </p:txBody>
       </p:sp>
@@ -22115,7 +22100,7 @@
               <a:defRPr/>
             </a:pPr>
             <a:r>
-              <a:rPr kumimoji="0" lang="nl-BE" sz="1200" b="0" i="0" u="none" strike="noStrike" kern="1200" cap="none" spc="0" normalizeH="0" baseline="0" noProof="0">
+              <a:rPr kumimoji="0" lang="nl-BE" sz="1200" b="0" i="0" u="none" strike="noStrike" kern="1200" cap="none" spc="0" normalizeH="0" baseline="0" noProof="0" dirty="0">
                 <a:ln>
                   <a:noFill/>
                 </a:ln>
@@ -22131,24 +22116,8 @@
                 <a:ea typeface="+mn-ea"/>
                 <a:cs typeface="+mn-cs"/>
               </a:rPr>
-              <a:t>Zie Scherp</a:t>
-            </a:r>
-            <a:endParaRPr kumimoji="0" lang="nl-BE" sz="1200" b="0" i="0" u="none" strike="noStrike" kern="1200" cap="none" spc="0" normalizeH="0" baseline="0" noProof="0" dirty="0">
-              <a:ln>
-                <a:noFill/>
-              </a:ln>
-              <a:solidFill>
-                <a:prstClr val="black">
-                  <a:tint val="75000"/>
-                </a:prstClr>
-              </a:solidFill>
-              <a:effectLst/>
-              <a:uLnTx/>
-              <a:uFillTx/>
-              <a:latin typeface="Calibri" panose="020F0502020204030204"/>
-              <a:ea typeface="+mn-ea"/>
-              <a:cs typeface="+mn-cs"/>
-            </a:endParaRPr>
+              <a:t>Zie Scherp Scherper</a:t>
+            </a:r>
           </a:p>
         </p:txBody>
       </p:sp>
@@ -23332,8 +23301,8 @@
           <a:lstStyle/>
           <a:p>
             <a:r>
-              <a:rPr lang="nl-BE"/>
-              <a:t>Zie Scherp</a:t>
+              <a:rPr lang="nl-BE" dirty="0"/>
+              <a:t>Zie Scherp Scherper</a:t>
             </a:r>
           </a:p>
         </p:txBody>
@@ -23526,8 +23495,8 @@
           <a:lstStyle/>
           <a:p>
             <a:r>
-              <a:rPr lang="nl-BE"/>
-              <a:t>Zie Scherp</a:t>
+              <a:rPr lang="nl-BE" dirty="0"/>
+              <a:t>Zie Scherp Scherper</a:t>
             </a:r>
           </a:p>
         </p:txBody>
@@ -23842,8 +23811,8 @@
           <a:lstStyle/>
           <a:p>
             <a:r>
-              <a:rPr lang="nl-BE"/>
-              <a:t>Zie Scherp</a:t>
+              <a:rPr lang="nl-BE" dirty="0"/>
+              <a:t>Zie Scherp Scherper</a:t>
             </a:r>
           </a:p>
         </p:txBody>
@@ -24327,8 +24296,8 @@
           <a:lstStyle/>
           <a:p>
             <a:r>
-              <a:rPr lang="nl-BE"/>
-              <a:t>Zie Scherp</a:t>
+              <a:rPr lang="nl-BE" dirty="0"/>
+              <a:t>Zie Scherp Scherper</a:t>
             </a:r>
           </a:p>
         </p:txBody>
@@ -24779,8 +24748,8 @@
           <a:lstStyle/>
           <a:p>
             <a:r>
-              <a:rPr lang="nl-BE"/>
-              <a:t>Zie Scherp</a:t>
+              <a:rPr lang="nl-BE" dirty="0"/>
+              <a:t>Zie Scherp Scherper</a:t>
             </a:r>
           </a:p>
         </p:txBody>
@@ -25119,8 +25088,8 @@
           <a:lstStyle/>
           <a:p>
             <a:r>
-              <a:rPr lang="nl-BE"/>
-              <a:t>Zie Scherp</a:t>
+              <a:rPr lang="nl-BE" dirty="0"/>
+              <a:t>Zie Scherp Scherper</a:t>
             </a:r>
           </a:p>
         </p:txBody>
@@ -25302,8 +25271,8 @@
           <a:lstStyle/>
           <a:p>
             <a:r>
-              <a:rPr lang="nl-BE"/>
-              <a:t>Zie Scherp</a:t>
+              <a:rPr lang="nl-BE" dirty="0"/>
+              <a:t>Zie Scherp Scherper</a:t>
             </a:r>
           </a:p>
         </p:txBody>
@@ -25771,8 +25740,8 @@
           <a:lstStyle/>
           <a:p>
             <a:r>
-              <a:rPr lang="nl-BE"/>
-              <a:t>Zie Scherp</a:t>
+              <a:rPr lang="nl-BE" dirty="0"/>
+              <a:t>Zie Scherp Scherper</a:t>
             </a:r>
           </a:p>
         </p:txBody>
@@ -26116,8 +26085,8 @@
           <a:lstStyle/>
           <a:p>
             <a:r>
-              <a:rPr lang="nl-BE"/>
-              <a:t>Zie Scherp</a:t>
+              <a:rPr lang="nl-BE" dirty="0"/>
+              <a:t>Zie Scherp Scherper</a:t>
             </a:r>
           </a:p>
         </p:txBody>
@@ -26605,8 +26574,8 @@
           <a:lstStyle/>
           <a:p>
             <a:r>
-              <a:rPr lang="nl-BE"/>
-              <a:t>Zie Scherp</a:t>
+              <a:rPr lang="nl-BE" dirty="0"/>
+              <a:t>Zie Scherp Scherper</a:t>
             </a:r>
           </a:p>
         </p:txBody>
@@ -26856,6 +26825,302 @@
 </p:sld>
 </file>
 
+<file path=ppt/slides/slide42.xml><?xml version="1.0" encoding="utf-8"?>
+<p:sld xmlns:a="http://schemas.openxmlformats.org/drawingml/2006/main" xmlns:r="http://schemas.openxmlformats.org/officeDocument/2006/relationships" xmlns:p="http://schemas.openxmlformats.org/presentationml/2006/main">
+  <p:cSld>
+    <p:spTree>
+      <p:nvGrpSpPr>
+        <p:cNvPr id="1" name=""/>
+        <p:cNvGrpSpPr/>
+        <p:nvPr/>
+      </p:nvGrpSpPr>
+      <p:grpSpPr>
+        <a:xfrm>
+          <a:off x="0" y="0"/>
+          <a:ext cx="0" cy="0"/>
+          <a:chOff x="0" y="0"/>
+          <a:chExt cx="0" cy="0"/>
+        </a:xfrm>
+      </p:grpSpPr>
+      <p:sp>
+        <p:nvSpPr>
+          <p:cNvPr id="6" name="Rechthoek 5">
+            <a:extLst>
+              <a:ext uri="{FF2B5EF4-FFF2-40B4-BE49-F238E27FC236}">
+                <a16:creationId xmlns:a16="http://schemas.microsoft.com/office/drawing/2014/main" id="{C1CC89C1-DC1E-917B-D25E-69B5776D404F}"/>
+              </a:ext>
+            </a:extLst>
+          </p:cNvPr>
+          <p:cNvSpPr/>
+          <p:nvPr/>
+        </p:nvSpPr>
+        <p:spPr>
+          <a:xfrm>
+            <a:off x="838200" y="5085184"/>
+            <a:ext cx="10658400" cy="864096"/>
+          </a:xfrm>
+          <a:prstGeom prst="rect">
+            <a:avLst/>
+          </a:prstGeom>
+        </p:spPr>
+        <p:style>
+          <a:lnRef idx="2">
+            <a:schemeClr val="accent4">
+              <a:shade val="50000"/>
+            </a:schemeClr>
+          </a:lnRef>
+          <a:fillRef idx="1">
+            <a:schemeClr val="accent4"/>
+          </a:fillRef>
+          <a:effectRef idx="0">
+            <a:schemeClr val="accent4"/>
+          </a:effectRef>
+          <a:fontRef idx="minor">
+            <a:schemeClr val="lt1"/>
+          </a:fontRef>
+        </p:style>
+        <p:txBody>
+          <a:bodyPr rtlCol="0" anchor="ctr"/>
+          <a:lstStyle/>
+          <a:p>
+            <a:pPr algn="ctr"/>
+            <a:endParaRPr lang="nl-NL"/>
+          </a:p>
+        </p:txBody>
+      </p:sp>
+      <p:sp>
+        <p:nvSpPr>
+          <p:cNvPr id="2" name="Titel 1">
+            <a:extLst>
+              <a:ext uri="{FF2B5EF4-FFF2-40B4-BE49-F238E27FC236}">
+                <a16:creationId xmlns:a16="http://schemas.microsoft.com/office/drawing/2014/main" id="{6F8E1924-B892-8B5A-7836-BE57C96EF1D8}"/>
+              </a:ext>
+            </a:extLst>
+          </p:cNvPr>
+          <p:cNvSpPr>
+            <a:spLocks noGrp="1"/>
+          </p:cNvSpPr>
+          <p:nvPr>
+            <p:ph type="title"/>
+          </p:nvPr>
+        </p:nvSpPr>
+        <p:spPr/>
+        <p:txBody>
+          <a:bodyPr/>
+          <a:lstStyle/>
+          <a:p>
+            <a:r>
+              <a:rPr lang="en-US" dirty="0"/>
+              <a:t>Meer info</a:t>
+            </a:r>
+            <a:endParaRPr lang="nl-NL" dirty="0"/>
+          </a:p>
+        </p:txBody>
+      </p:sp>
+      <p:sp>
+        <p:nvSpPr>
+          <p:cNvPr id="3" name="Tijdelijke aanduiding voor inhoud 2">
+            <a:extLst>
+              <a:ext uri="{FF2B5EF4-FFF2-40B4-BE49-F238E27FC236}">
+                <a16:creationId xmlns:a16="http://schemas.microsoft.com/office/drawing/2014/main" id="{E732A4CC-42D6-F95B-C0C5-FF2A05D19786}"/>
+              </a:ext>
+            </a:extLst>
+          </p:cNvPr>
+          <p:cNvSpPr>
+            <a:spLocks noGrp="1"/>
+          </p:cNvSpPr>
+          <p:nvPr>
+            <p:ph idx="1"/>
+          </p:nvPr>
+        </p:nvSpPr>
+        <p:spPr>
+          <a:xfrm>
+            <a:off x="838200" y="1825624"/>
+            <a:ext cx="10515600" cy="4267671"/>
+          </a:xfrm>
+        </p:spPr>
+        <p:txBody>
+          <a:bodyPr>
+            <a:normAutofit fontScale="92500" lnSpcReduction="10000"/>
+          </a:bodyPr>
+          <a:lstStyle/>
+          <a:p>
+            <a:r>
+              <a:rPr lang="nl-BE" dirty="0"/>
+              <a:t>Slides gemaakt door </a:t>
+            </a:r>
+          </a:p>
+          <a:p>
+            <a:pPr lvl="1"/>
+            <a:r>
+              <a:rPr lang="nl-BE" dirty="0"/>
+              <a:t>Tim Dams (</a:t>
+            </a:r>
+            <a:r>
+              <a:rPr lang="nl-BE" dirty="0">
+                <a:hlinkClick r:id="rId2" action="ppaction://hlinkfile"/>
+              </a:rPr>
+              <a:t>ziescherp.be</a:t>
+            </a:r>
+            <a:r>
+              <a:rPr lang="nl-BE" dirty="0"/>
+              <a:t>), AP Hogeschool opleidingen elektronica-</a:t>
+            </a:r>
+            <a:r>
+              <a:rPr lang="nl-BE" dirty="0" err="1"/>
+              <a:t>ict</a:t>
+            </a:r>
+            <a:r>
+              <a:rPr lang="nl-BE" dirty="0"/>
+              <a:t> en toegepaste informatica</a:t>
+            </a:r>
+          </a:p>
+          <a:p>
+            <a:pPr lvl="1"/>
+            <a:endParaRPr lang="nl-BE" dirty="0"/>
+          </a:p>
+          <a:p>
+            <a:r>
+              <a:rPr lang="nl-BE" dirty="0"/>
+              <a:t>Sommige slides gebaseerd of gekopieerd van slidedecks van:</a:t>
+            </a:r>
+          </a:p>
+          <a:p>
+            <a:pPr lvl="1"/>
+            <a:r>
+              <a:rPr lang="nl-BE" sz="2200" dirty="0"/>
+              <a:t>Programmeren in C# door Douglas Bell en Mike Parr (vert. Kris Hermans)</a:t>
+            </a:r>
+          </a:p>
+          <a:p>
+            <a:pPr lvl="1"/>
+            <a:r>
+              <a:rPr lang="nl-BE" sz="2200" dirty="0"/>
+              <a:t>Microsoft Visual C# 2015: An </a:t>
+            </a:r>
+            <a:r>
+              <a:rPr lang="nl-BE" sz="2200" dirty="0" err="1"/>
+              <a:t>Introduction</a:t>
+            </a:r>
+            <a:r>
+              <a:rPr lang="nl-BE" sz="2200" dirty="0"/>
+              <a:t> </a:t>
+            </a:r>
+            <a:r>
+              <a:rPr lang="nl-BE" sz="2200" dirty="0" err="1"/>
+              <a:t>to</a:t>
+            </a:r>
+            <a:r>
+              <a:rPr lang="nl-BE" sz="2200" dirty="0"/>
+              <a:t> Object-</a:t>
+            </a:r>
+            <a:r>
+              <a:rPr lang="nl-BE" sz="2200" dirty="0" err="1"/>
+              <a:t>Oriented</a:t>
+            </a:r>
+            <a:r>
+              <a:rPr lang="nl-BE" sz="2200" dirty="0"/>
+              <a:t> Programming door Joyce </a:t>
+            </a:r>
+            <a:r>
+              <a:rPr lang="nl-BE" sz="2200" dirty="0" err="1"/>
+              <a:t>Farrell</a:t>
+            </a:r>
+            <a:endParaRPr lang="nl-BE" sz="2200" dirty="0"/>
+          </a:p>
+          <a:p>
+            <a:pPr lvl="1"/>
+            <a:r>
+              <a:rPr lang="nl-BE" dirty="0"/>
+              <a:t>E.a.</a:t>
+            </a:r>
+          </a:p>
+          <a:p>
+            <a:pPr lvl="1"/>
+            <a:endParaRPr lang="nl-BE" dirty="0"/>
+          </a:p>
+          <a:p>
+            <a:pPr lvl="1"/>
+            <a:endParaRPr lang="nl-BE" dirty="0"/>
+          </a:p>
+          <a:p>
+            <a:r>
+              <a:rPr lang="nl-BE" b="1" dirty="0"/>
+              <a:t>Slides mogen aangepast worden, op voorwaarde dat deze slide steeds achteraan de slidedeck staat.</a:t>
+            </a:r>
+          </a:p>
+        </p:txBody>
+      </p:sp>
+      <p:sp>
+        <p:nvSpPr>
+          <p:cNvPr id="4" name="Tijdelijke aanduiding voor voettekst 3">
+            <a:extLst>
+              <a:ext uri="{FF2B5EF4-FFF2-40B4-BE49-F238E27FC236}">
+                <a16:creationId xmlns:a16="http://schemas.microsoft.com/office/drawing/2014/main" id="{4C3978F3-3532-3F17-E9AB-E248272BA1E3}"/>
+              </a:ext>
+            </a:extLst>
+          </p:cNvPr>
+          <p:cNvSpPr>
+            <a:spLocks noGrp="1"/>
+          </p:cNvSpPr>
+          <p:nvPr>
+            <p:ph type="ftr" sz="quarter" idx="11"/>
+          </p:nvPr>
+        </p:nvSpPr>
+        <p:spPr/>
+        <p:txBody>
+          <a:bodyPr/>
+          <a:lstStyle/>
+          <a:p>
+            <a:r>
+              <a:rPr lang="nl-BE" dirty="0"/>
+              <a:t>Zie Scherp Scherper</a:t>
+            </a:r>
+          </a:p>
+        </p:txBody>
+      </p:sp>
+      <p:sp>
+        <p:nvSpPr>
+          <p:cNvPr id="5" name="Tijdelijke aanduiding voor dianummer 4">
+            <a:extLst>
+              <a:ext uri="{FF2B5EF4-FFF2-40B4-BE49-F238E27FC236}">
+                <a16:creationId xmlns:a16="http://schemas.microsoft.com/office/drawing/2014/main" id="{9769B4E3-C3FC-8575-9CA3-EE3F06738607}"/>
+              </a:ext>
+            </a:extLst>
+          </p:cNvPr>
+          <p:cNvSpPr>
+            <a:spLocks noGrp="1"/>
+          </p:cNvSpPr>
+          <p:nvPr>
+            <p:ph type="sldNum" sz="quarter" idx="12"/>
+          </p:nvPr>
+        </p:nvSpPr>
+        <p:spPr/>
+        <p:txBody>
+          <a:bodyPr/>
+          <a:lstStyle/>
+          <a:p>
+            <a:fld id="{E8A62353-F7CD-46ED-8877-B27D0E33FCF8}" type="slidenum">
+              <a:rPr lang="nl-BE" smtClean="0"/>
+              <a:t>42</a:t>
+            </a:fld>
+            <a:endParaRPr lang="nl-BE"/>
+          </a:p>
+        </p:txBody>
+      </p:sp>
+    </p:spTree>
+    <p:extLst>
+      <p:ext uri="{BB962C8B-B14F-4D97-AF65-F5344CB8AC3E}">
+        <p14:creationId xmlns:p14="http://schemas.microsoft.com/office/powerpoint/2010/main" val="106072752"/>
+      </p:ext>
+    </p:extLst>
+  </p:cSld>
+  <p:clrMapOvr>
+    <a:masterClrMapping/>
+  </p:clrMapOvr>
+</p:sld>
+</file>
+
 <file path=ppt/slides/slide5.xml><?xml version="1.0" encoding="utf-8"?>
 <p:sld xmlns:a="http://schemas.openxmlformats.org/drawingml/2006/main" xmlns:r="http://schemas.openxmlformats.org/officeDocument/2006/relationships" xmlns:p="http://schemas.openxmlformats.org/presentationml/2006/main">
   <p:cSld>
@@ -27153,8 +27418,8 @@
           <a:lstStyle/>
           <a:p>
             <a:r>
-              <a:rPr lang="nl-BE"/>
-              <a:t>Zie Scherp</a:t>
+              <a:rPr lang="nl-BE" dirty="0"/>
+              <a:t>Zie Scherp Scherper</a:t>
             </a:r>
           </a:p>
         </p:txBody>
@@ -27397,8 +27662,8 @@
           <a:lstStyle/>
           <a:p>
             <a:r>
-              <a:rPr lang="nl-BE"/>
-              <a:t>Zie Scherp</a:t>
+              <a:rPr lang="nl-BE" dirty="0"/>
+              <a:t>Zie Scherp Scherper</a:t>
             </a:r>
           </a:p>
         </p:txBody>
@@ -27735,8 +28000,8 @@
           <a:lstStyle/>
           <a:p>
             <a:r>
-              <a:rPr lang="nl-BE"/>
-              <a:t>Zie Scherp</a:t>
+              <a:rPr lang="nl-BE" dirty="0"/>
+              <a:t>Zie Scherp Scherper</a:t>
             </a:r>
           </a:p>
         </p:txBody>
@@ -28131,8 +28396,8 @@
           <a:lstStyle/>
           <a:p>
             <a:r>
-              <a:rPr lang="nl-BE"/>
-              <a:t>Zie Scherp</a:t>
+              <a:rPr lang="nl-BE" dirty="0"/>
+              <a:t>Zie Scherp Scherper</a:t>
             </a:r>
           </a:p>
         </p:txBody>
